--- a/MSSQL_DataBase/期中專題1.pptx
+++ b/MSSQL_DataBase/期中專題1.pptx
@@ -133,20 +133,6 @@
     </p:extLst>
   </p:cmAuthor>
 </p:cmAuthorLst>
-</file>
-
-<file path=ppt/comments/comment1.xml><?xml version="1.0" encoding="utf-8"?>
-<p:cmLst xmlns:a="http://schemas.openxmlformats.org/drawingml/2006/main" xmlns:r="http://schemas.openxmlformats.org/officeDocument/2006/relationships" xmlns:p="http://schemas.openxmlformats.org/presentationml/2006/main">
-  <p:cm authorId="1" dt="2021-06-04T04:42:30.571" idx="1">
-    <p:pos x="10" y="10"/>
-    <p:text/>
-    <p:extLst>
-      <p:ext uri="{C676402C-5697-4E1C-873F-D02D1690AC5C}">
-        <p15:threadingInfo xmlns:p15="http://schemas.microsoft.com/office/powerpoint/2012/main" timeZoneBias="-480"/>
-      </p:ext>
-    </p:extLst>
-  </p:cm>
-</p:cmLst>
 </file>
 
 <file path=ppt/notesMasters/notesMaster1.xml><?xml version="1.0" encoding="utf-8"?>
@@ -3803,51 +3789,9 @@
           <a:chExt cx="0" cy="0"/>
         </a:xfrm>
       </p:grpSpPr>
-      <p:sp>
-        <p:nvSpPr>
-          <p:cNvPr id="2" name="標題 1"/>
-          <p:cNvSpPr>
-            <a:spLocks noGrp="1"/>
-          </p:cNvSpPr>
-          <p:nvPr>
-            <p:ph type="title"/>
-          </p:nvPr>
-        </p:nvSpPr>
-        <p:spPr/>
-        <p:txBody>
-          <a:bodyPr/>
-          <a:lstStyle/>
-          <a:p>
-            <a:r>
-              <a:rPr lang="zh-TW" altLang="en-US" dirty="0" smtClean="0"/>
-              <a:t>操作範例</a:t>
-            </a:r>
-            <a:endParaRPr lang="zh-TW" altLang="en-US" dirty="0"/>
-          </a:p>
-        </p:txBody>
-      </p:sp>
-      <p:sp>
-        <p:nvSpPr>
-          <p:cNvPr id="3" name="內容版面配置區 2"/>
-          <p:cNvSpPr>
-            <a:spLocks noGrp="1"/>
-          </p:cNvSpPr>
-          <p:nvPr>
-            <p:ph idx="1"/>
-          </p:nvPr>
-        </p:nvSpPr>
-        <p:spPr/>
-        <p:txBody>
-          <a:bodyPr/>
-          <a:lstStyle/>
-          <a:p>
-            <a:endParaRPr lang="zh-TW" altLang="en-US" dirty="0"/>
-          </a:p>
-        </p:txBody>
-      </p:sp>
       <p:pic>
         <p:nvPicPr>
-          <p:cNvPr id="4" name="圖片 3"/>
+          <p:cNvPr id="6" name="圖片 5"/>
           <p:cNvPicPr>
             <a:picLocks noChangeAspect="1"/>
           </p:cNvPicPr>
@@ -3861,8 +3805,8 @@
         </p:blipFill>
         <p:spPr>
           <a:xfrm>
-            <a:off x="1633537" y="1521120"/>
-            <a:ext cx="8924925" cy="4124325"/>
+            <a:off x="1758586" y="1456362"/>
+            <a:ext cx="8674826" cy="4903163"/>
           </a:xfrm>
           <a:prstGeom prst="rect">
             <a:avLst/>
@@ -3871,6 +3815,48 @@
       </p:pic>
       <p:sp>
         <p:nvSpPr>
+          <p:cNvPr id="2" name="標題 1"/>
+          <p:cNvSpPr>
+            <a:spLocks noGrp="1"/>
+          </p:cNvSpPr>
+          <p:nvPr>
+            <p:ph type="title"/>
+          </p:nvPr>
+        </p:nvSpPr>
+        <p:spPr/>
+        <p:txBody>
+          <a:bodyPr/>
+          <a:lstStyle/>
+          <a:p>
+            <a:r>
+              <a:rPr lang="zh-TW" altLang="en-US" dirty="0" smtClean="0"/>
+              <a:t>操作範例</a:t>
+            </a:r>
+            <a:endParaRPr lang="zh-TW" altLang="en-US" dirty="0"/>
+          </a:p>
+        </p:txBody>
+      </p:sp>
+      <p:sp>
+        <p:nvSpPr>
+          <p:cNvPr id="3" name="內容版面配置區 2"/>
+          <p:cNvSpPr>
+            <a:spLocks noGrp="1"/>
+          </p:cNvSpPr>
+          <p:nvPr>
+            <p:ph idx="1"/>
+          </p:nvPr>
+        </p:nvSpPr>
+        <p:spPr/>
+        <p:txBody>
+          <a:bodyPr/>
+          <a:lstStyle/>
+          <a:p>
+            <a:endParaRPr lang="zh-TW" altLang="en-US" dirty="0"/>
+          </a:p>
+        </p:txBody>
+      </p:sp>
+      <p:sp>
+        <p:nvSpPr>
           <p:cNvPr id="5" name="頁尾版面配置區 4"/>
           <p:cNvSpPr>
             <a:spLocks noGrp="1"/>
@@ -3879,18 +3865,79 @@
             <p:ph type="ftr" sz="quarter" idx="11"/>
           </p:nvPr>
         </p:nvSpPr>
-        <p:spPr/>
+        <p:spPr>
+          <a:xfrm>
+            <a:off x="4038599" y="6176963"/>
+            <a:ext cx="4114800" cy="365125"/>
+          </a:xfrm>
+        </p:spPr>
         <p:txBody>
           <a:bodyPr/>
           <a:lstStyle/>
           <a:p>
             <a:r>
               <a:rPr lang="zh-TW" altLang="en-US" dirty="0" smtClean="0"/>
-              <a:t>資料表來源：</a:t>
-            </a:r>
-            <a:r>
-              <a:rPr lang="en-US" altLang="zh-TW" dirty="0" smtClean="0"/>
-              <a:t>https://data.gov.tw/dataset/139452</a:t>
+              <a:t>資料表來源</a:t>
+            </a:r>
+            <a:r>
+              <a:rPr lang="zh-TW" altLang="en-US" dirty="0" smtClean="0"/>
+              <a:t>：</a:t>
+            </a:r>
+            <a:endParaRPr lang="en-US" altLang="zh-TW" dirty="0" smtClean="0"/>
+          </a:p>
+          <a:p>
+            <a:r>
+              <a:rPr lang="en-US" altLang="zh-TW" dirty="0" smtClean="0">
+                <a:hlinkClick r:id="rId3"/>
+              </a:rPr>
+              <a:t>https</a:t>
+            </a:r>
+            <a:r>
+              <a:rPr lang="en-US" altLang="zh-TW" dirty="0" smtClean="0">
+                <a:hlinkClick r:id="rId3"/>
+              </a:rPr>
+              <a:t>://</a:t>
+            </a:r>
+            <a:r>
+              <a:rPr lang="en-US" altLang="zh-TW" dirty="0" smtClean="0">
+                <a:hlinkClick r:id="rId3"/>
+              </a:rPr>
+              <a:t>data.gov.tw/dataset/139452</a:t>
+            </a:r>
+            <a:r>
+              <a:rPr lang="zh-TW" altLang="en-US" dirty="0" smtClean="0"/>
+              <a:t> </a:t>
+            </a:r>
+            <a:r>
+              <a:rPr lang="en-US" altLang="zh-TW" dirty="0">
+                <a:hlinkClick r:id="rId4"/>
+              </a:rPr>
+              <a:t>https://</a:t>
+            </a:r>
+            <a:r>
+              <a:rPr lang="en-US" altLang="zh-TW" dirty="0" smtClean="0">
+                <a:hlinkClick r:id="rId4"/>
+              </a:rPr>
+              <a:t>data.gov.tw/dataset/122068</a:t>
+            </a:r>
+            <a:endParaRPr lang="en-US" altLang="zh-TW" dirty="0" smtClean="0"/>
+          </a:p>
+          <a:p>
+            <a:r>
+              <a:rPr lang="en-US" altLang="zh-TW" dirty="0">
+                <a:hlinkClick r:id="rId5"/>
+              </a:rPr>
+              <a:t>https://</a:t>
+            </a:r>
+            <a:r>
+              <a:rPr lang="en-US" altLang="zh-TW" dirty="0" smtClean="0">
+                <a:hlinkClick r:id="rId5"/>
+              </a:rPr>
+              <a:t>data.gov.tw/dataset/127595</a:t>
+            </a:r>
+            <a:r>
+              <a:rPr lang="zh-TW" altLang="en-US" dirty="0" smtClean="0"/>
+              <a:t>  </a:t>
             </a:r>
             <a:endParaRPr lang="zh-TW" altLang="en-US" dirty="0"/>
           </a:p>
@@ -3954,7 +4001,7 @@
       </p:sp>
       <p:pic>
         <p:nvPicPr>
-          <p:cNvPr id="4" name="內容版面配置區 3"/>
+          <p:cNvPr id="5" name="內容版面配置區 4"/>
           <p:cNvPicPr>
             <a:picLocks noGrp="1" noChangeAspect="1"/>
           </p:cNvPicPr>
@@ -3970,8 +4017,8 @@
         </p:blipFill>
         <p:spPr>
           <a:xfrm>
-            <a:off x="997008" y="480148"/>
-            <a:ext cx="10197984" cy="6080187"/>
+            <a:off x="1711235" y="159350"/>
+            <a:ext cx="8530046" cy="6698650"/>
           </a:xfrm>
           <a:prstGeom prst="rect">
             <a:avLst/>
@@ -3988,6 +4035,13 @@
   <p:clrMapOvr>
     <a:masterClrMapping/>
   </p:clrMapOvr>
+  <p:timing>
+    <p:tnLst>
+      <p:par>
+        <p:cTn id="1" dur="indefinite" restart="never" nodeType="tmRoot"/>
+      </p:par>
+    </p:tnLst>
+  </p:timing>
 </p:sld>
 </file>
 
@@ -4034,15 +4088,51 @@
           </a:p>
         </p:txBody>
       </p:sp>
+      <p:sp>
+        <p:nvSpPr>
+          <p:cNvPr id="5" name="文字版面配置區 4"/>
+          <p:cNvSpPr>
+            <a:spLocks noGrp="1"/>
+          </p:cNvSpPr>
+          <p:nvPr>
+            <p:ph type="body" sz="half" idx="2"/>
+          </p:nvPr>
+        </p:nvSpPr>
+        <p:spPr/>
+        <p:txBody>
+          <a:bodyPr/>
+          <a:lstStyle/>
+          <a:p>
+            <a:endParaRPr lang="zh-TW" altLang="en-US"/>
+          </a:p>
+        </p:txBody>
+      </p:sp>
+      <p:sp>
+        <p:nvSpPr>
+          <p:cNvPr id="3" name="內容版面配置區 2"/>
+          <p:cNvSpPr>
+            <a:spLocks noGrp="1"/>
+          </p:cNvSpPr>
+          <p:nvPr>
+            <p:ph idx="1"/>
+          </p:nvPr>
+        </p:nvSpPr>
+        <p:spPr/>
+        <p:txBody>
+          <a:bodyPr/>
+          <a:lstStyle/>
+          <a:p>
+            <a:endParaRPr lang="zh-TW" altLang="en-US" dirty="0"/>
+          </a:p>
+        </p:txBody>
+      </p:sp>
       <p:pic>
         <p:nvPicPr>
-          <p:cNvPr id="4" name="內容版面配置區 3"/>
+          <p:cNvPr id="7" name="圖片 6"/>
           <p:cNvPicPr>
-            <a:picLocks noGrp="1" noChangeAspect="1"/>
+            <a:picLocks noChangeAspect="1"/>
           </p:cNvPicPr>
-          <p:nvPr>
-            <p:ph idx="1"/>
-          </p:nvPr>
+          <p:nvPr/>
         </p:nvPicPr>
         <p:blipFill>
           <a:blip r:embed="rId2"/>
@@ -4052,33 +4142,14 @@
         </p:blipFill>
         <p:spPr>
           <a:xfrm>
-            <a:off x="4772025" y="216716"/>
-            <a:ext cx="5168809" cy="6466053"/>
+            <a:off x="5115412" y="-119063"/>
+            <a:ext cx="5366623" cy="7086600"/>
           </a:xfrm>
           <a:prstGeom prst="rect">
             <a:avLst/>
           </a:prstGeom>
         </p:spPr>
       </p:pic>
-      <p:sp>
-        <p:nvSpPr>
-          <p:cNvPr id="5" name="文字版面配置區 4"/>
-          <p:cNvSpPr>
-            <a:spLocks noGrp="1"/>
-          </p:cNvSpPr>
-          <p:nvPr>
-            <p:ph type="body" sz="half" idx="2"/>
-          </p:nvPr>
-        </p:nvSpPr>
-        <p:spPr/>
-        <p:txBody>
-          <a:bodyPr/>
-          <a:lstStyle/>
-          <a:p>
-            <a:endParaRPr lang="zh-TW" altLang="en-US"/>
-          </a:p>
-        </p:txBody>
-      </p:sp>
     </p:spTree>
     <p:extLst>
       <p:ext uri="{BB962C8B-B14F-4D97-AF65-F5344CB8AC3E}">
@@ -4176,6 +4247,13 @@
   <p:clrMapOvr>
     <a:masterClrMapping/>
   </p:clrMapOvr>
+  <p:timing>
+    <p:tnLst>
+      <p:par>
+        <p:cTn id="1" dur="indefinite" restart="never" nodeType="tmRoot"/>
+      </p:par>
+    </p:tnLst>
+  </p:timing>
 </p:sld>
 </file>
 

--- a/MSSQL_DataBase/期中專題1.pptx
+++ b/MSSQL_DataBase/期中專題1.pptx
@@ -5,7 +5,7 @@
     <p:sldMasterId id="2147483648" r:id="rId1"/>
   </p:sldMasterIdLst>
   <p:notesMasterIdLst>
-    <p:notesMasterId r:id="rId11"/>
+    <p:notesMasterId r:id="rId12"/>
   </p:notesMasterIdLst>
   <p:sldIdLst>
     <p:sldId id="256" r:id="rId2"/>
@@ -17,6 +17,7 @@
     <p:sldId id="263" r:id="rId8"/>
     <p:sldId id="261" r:id="rId9"/>
     <p:sldId id="264" r:id="rId10"/>
+    <p:sldId id="265" r:id="rId11"/>
   </p:sldIdLst>
   <p:sldSz cx="12192000" cy="6858000"/>
   <p:notesSz cx="6858000" cy="9144000"/>
@@ -3405,6 +3406,85 @@
 </p:sld>
 </file>
 
+<file path=ppt/slides/slide10.xml><?xml version="1.0" encoding="utf-8"?>
+<p:sld xmlns:a="http://schemas.openxmlformats.org/drawingml/2006/main" xmlns:r="http://schemas.openxmlformats.org/officeDocument/2006/relationships" xmlns:p="http://schemas.openxmlformats.org/presentationml/2006/main">
+  <p:cSld>
+    <p:spTree>
+      <p:nvGrpSpPr>
+        <p:cNvPr id="1" name=""/>
+        <p:cNvGrpSpPr/>
+        <p:nvPr/>
+      </p:nvGrpSpPr>
+      <p:grpSpPr>
+        <a:xfrm>
+          <a:off x="0" y="0"/>
+          <a:ext cx="0" cy="0"/>
+          <a:chOff x="0" y="0"/>
+          <a:chExt cx="0" cy="0"/>
+        </a:xfrm>
+      </p:grpSpPr>
+      <p:sp>
+        <p:nvSpPr>
+          <p:cNvPr id="7" name="標題 6"/>
+          <p:cNvSpPr>
+            <a:spLocks noGrp="1"/>
+          </p:cNvSpPr>
+          <p:nvPr>
+            <p:ph type="ctrTitle"/>
+          </p:nvPr>
+        </p:nvSpPr>
+        <p:spPr/>
+        <p:txBody>
+          <a:bodyPr/>
+          <a:lstStyle/>
+          <a:p>
+            <a:r>
+              <a:rPr lang="zh-TW" altLang="en-US" dirty="0" smtClean="0"/>
+              <a:t>感謝您的聆聽</a:t>
+            </a:r>
+            <a:endParaRPr lang="zh-TW" altLang="en-US" dirty="0"/>
+          </a:p>
+        </p:txBody>
+      </p:sp>
+      <p:sp>
+        <p:nvSpPr>
+          <p:cNvPr id="8" name="內容版面配置區 7"/>
+          <p:cNvSpPr>
+            <a:spLocks noGrp="1"/>
+          </p:cNvSpPr>
+          <p:nvPr>
+            <p:ph type="subTitle" idx="1"/>
+          </p:nvPr>
+        </p:nvSpPr>
+        <p:spPr/>
+        <p:txBody>
+          <a:bodyPr/>
+          <a:lstStyle/>
+          <a:p>
+            <a:endParaRPr lang="zh-TW" altLang="en-US" dirty="0"/>
+          </a:p>
+        </p:txBody>
+      </p:sp>
+    </p:spTree>
+    <p:extLst>
+      <p:ext uri="{BB962C8B-B14F-4D97-AF65-F5344CB8AC3E}">
+        <p14:creationId xmlns:p14="http://schemas.microsoft.com/office/powerpoint/2010/main" val="987149756"/>
+      </p:ext>
+    </p:extLst>
+  </p:cSld>
+  <p:clrMapOvr>
+    <a:masterClrMapping/>
+  </p:clrMapOvr>
+  <p:timing>
+    <p:tnLst>
+      <p:par>
+        <p:cTn id="1" dur="indefinite" restart="never" nodeType="tmRoot"/>
+      </p:par>
+    </p:tnLst>
+  </p:timing>
+</p:sld>
+</file>
+
 <file path=ppt/slides/slide2.xml><?xml version="1.0" encoding="utf-8"?>
 <p:sld xmlns:a="http://schemas.openxmlformats.org/drawingml/2006/main" xmlns:r="http://schemas.openxmlformats.org/officeDocument/2006/relationships" xmlns:p="http://schemas.openxmlformats.org/presentationml/2006/main">
   <p:cSld>
@@ -3877,11 +3957,7 @@
           <a:p>
             <a:r>
               <a:rPr lang="zh-TW" altLang="en-US" dirty="0" smtClean="0"/>
-              <a:t>資料表來源</a:t>
-            </a:r>
-            <a:r>
-              <a:rPr lang="zh-TW" altLang="en-US" dirty="0" smtClean="0"/>
-              <a:t>：</a:t>
+              <a:t>資料表來源：</a:t>
             </a:r>
             <a:endParaRPr lang="en-US" altLang="zh-TW" dirty="0" smtClean="0"/>
           </a:p>
@@ -3890,19 +3966,7 @@
               <a:rPr lang="en-US" altLang="zh-TW" dirty="0" smtClean="0">
                 <a:hlinkClick r:id="rId3"/>
               </a:rPr>
-              <a:t>https</a:t>
-            </a:r>
-            <a:r>
-              <a:rPr lang="en-US" altLang="zh-TW" dirty="0" smtClean="0">
-                <a:hlinkClick r:id="rId3"/>
-              </a:rPr>
-              <a:t>://</a:t>
-            </a:r>
-            <a:r>
-              <a:rPr lang="en-US" altLang="zh-TW" dirty="0" smtClean="0">
-                <a:hlinkClick r:id="rId3"/>
-              </a:rPr>
-              <a:t>data.gov.tw/dataset/139452</a:t>
+              <a:t>https://data.gov.tw/dataset/139452</a:t>
             </a:r>
             <a:r>
               <a:rPr lang="zh-TW" altLang="en-US" dirty="0" smtClean="0"/>
